--- a/doc/BioIT_Cloud_bds_202109.pptx
+++ b/doc/BioIT_Cloud_bds_202109.pptx
@@ -36545,6 +36545,16 @@
           </a:p>
           <a:p>
             <a:r>
+              <a:rPr lang="en-US" sz="1400" dirty="0">
+                <a:solidFill>
+                  <a:schemeClr val="bg1"/>
+                </a:solidFill>
+                <a:latin typeface="Consolas" panose="020B0609020204030204" pitchFamily="49" charset="0"/>
+                <a:cs typeface="Consolas" panose="020B0609020204030204" pitchFamily="49" charset="0"/>
+              </a:rPr>
+              <a:t>string[] </a:t>
+            </a:r>
+            <a:r>
               <a:rPr lang="en-US" sz="1400" dirty="0" err="1">
                 <a:solidFill>
                   <a:schemeClr val="bg1"/>
@@ -36554,465 +36564,6 @@
               </a:rPr>
               <a:t>bams</a:t>
             </a:r>
-            <a:r>
-              <a:rPr lang="en-US" sz="1400" dirty="0">
-                <a:solidFill>
-                  <a:schemeClr val="bg1"/>
-                </a:solidFill>
-                <a:latin typeface="Consolas" panose="020B0609020204030204" pitchFamily="49" charset="0"/>
-                <a:cs typeface="Consolas" panose="020B0609020204030204" pitchFamily="49" charset="0"/>
-              </a:rPr>
-              <a:t> := “”</a:t>
-            </a:r>
-          </a:p>
-          <a:p>
-            <a:r>
-              <a:rPr lang="en-US" sz="1400" dirty="0">
-                <a:solidFill>
-                  <a:schemeClr val="accent3">
-                    <a:lumMod val="75000"/>
-                  </a:schemeClr>
-                </a:solidFill>
-                <a:latin typeface="Consolas" panose="020B0609020204030204" pitchFamily="49" charset="0"/>
-                <a:cs typeface="Consolas" panose="020B0609020204030204" pitchFamily="49" charset="0"/>
-              </a:rPr>
-              <a:t>for</a:t>
-            </a:r>
-            <a:r>
-              <a:rPr lang="en-US" sz="1400" dirty="0">
-                <a:solidFill>
-                  <a:schemeClr val="bg1"/>
-                </a:solidFill>
-                <a:latin typeface="Consolas" panose="020B0609020204030204" pitchFamily="49" charset="0"/>
-                <a:cs typeface="Consolas" panose="020B0609020204030204" pitchFamily="49" charset="0"/>
-              </a:rPr>
-              <a:t>(</a:t>
-            </a:r>
-            <a:r>
-              <a:rPr lang="en-US" sz="1400" dirty="0">
-                <a:solidFill>
-                  <a:schemeClr val="bg2">
-                    <a:lumMod val="40000"/>
-                    <a:lumOff val="60000"/>
-                  </a:schemeClr>
-                </a:solidFill>
-                <a:latin typeface="Consolas" panose="020B0609020204030204" pitchFamily="49" charset="0"/>
-                <a:cs typeface="Consolas" panose="020B0609020204030204" pitchFamily="49" charset="0"/>
-              </a:rPr>
-              <a:t>int</a:t>
-            </a:r>
-            <a:r>
-              <a:rPr lang="en-US" sz="1400" dirty="0">
-                <a:solidFill>
-                  <a:schemeClr val="bg1"/>
-                </a:solidFill>
-                <a:latin typeface="Consolas" panose="020B0609020204030204" pitchFamily="49" charset="0"/>
-                <a:cs typeface="Consolas" panose="020B0609020204030204" pitchFamily="49" charset="0"/>
-              </a:rPr>
-              <a:t> </a:t>
-            </a:r>
-            <a:r>
-              <a:rPr lang="en-US" sz="1400" dirty="0" err="1">
-                <a:solidFill>
-                  <a:schemeClr val="bg1"/>
-                </a:solidFill>
-                <a:latin typeface="Consolas" panose="020B0609020204030204" pitchFamily="49" charset="0"/>
-                <a:cs typeface="Consolas" panose="020B0609020204030204" pitchFamily="49" charset="0"/>
-              </a:rPr>
-              <a:t>i</a:t>
-            </a:r>
-            <a:r>
-              <a:rPr lang="en-US" sz="1400" dirty="0">
-                <a:solidFill>
-                  <a:schemeClr val="bg1"/>
-                </a:solidFill>
-                <a:latin typeface="Consolas" panose="020B0609020204030204" pitchFamily="49" charset="0"/>
-                <a:cs typeface="Consolas" panose="020B0609020204030204" pitchFamily="49" charset="0"/>
-              </a:rPr>
-              <a:t>=0 ; </a:t>
-            </a:r>
-            <a:r>
-              <a:rPr lang="en-US" sz="1400" dirty="0" err="1">
-                <a:solidFill>
-                  <a:schemeClr val="bg1"/>
-                </a:solidFill>
-                <a:latin typeface="Consolas" panose="020B0609020204030204" pitchFamily="49" charset="0"/>
-                <a:cs typeface="Consolas" panose="020B0609020204030204" pitchFamily="49" charset="0"/>
-              </a:rPr>
-              <a:t>i</a:t>
-            </a:r>
-            <a:r>
-              <a:rPr lang="en-US" sz="1400" dirty="0">
-                <a:solidFill>
-                  <a:schemeClr val="bg1"/>
-                </a:solidFill>
-                <a:latin typeface="Consolas" panose="020B0609020204030204" pitchFamily="49" charset="0"/>
-                <a:cs typeface="Consolas" panose="020B0609020204030204" pitchFamily="49" charset="0"/>
-              </a:rPr>
-              <a:t> &lt; </a:t>
-            </a:r>
-            <a:r>
-              <a:rPr lang="en-US" sz="1400" dirty="0" err="1">
-                <a:solidFill>
-                  <a:schemeClr val="bg1"/>
-                </a:solidFill>
-                <a:latin typeface="Consolas" panose="020B0609020204030204" pitchFamily="49" charset="0"/>
-                <a:cs typeface="Consolas" panose="020B0609020204030204" pitchFamily="49" charset="0"/>
-              </a:rPr>
-              <a:t>numberSamples</a:t>
-            </a:r>
-            <a:r>
-              <a:rPr lang="en-US" sz="1400" dirty="0">
-                <a:solidFill>
-                  <a:schemeClr val="bg1"/>
-                </a:solidFill>
-                <a:latin typeface="Consolas" panose="020B0609020204030204" pitchFamily="49" charset="0"/>
-                <a:cs typeface="Consolas" panose="020B0609020204030204" pitchFamily="49" charset="0"/>
-              </a:rPr>
-              <a:t> ; </a:t>
-            </a:r>
-            <a:r>
-              <a:rPr lang="en-US" sz="1400" dirty="0" err="1">
-                <a:solidFill>
-                  <a:schemeClr val="bg1"/>
-                </a:solidFill>
-                <a:latin typeface="Consolas" panose="020B0609020204030204" pitchFamily="49" charset="0"/>
-                <a:cs typeface="Consolas" panose="020B0609020204030204" pitchFamily="49" charset="0"/>
-              </a:rPr>
-              <a:t>i</a:t>
-            </a:r>
-            <a:r>
-              <a:rPr lang="en-US" sz="1400" dirty="0">
-                <a:solidFill>
-                  <a:schemeClr val="bg1"/>
-                </a:solidFill>
-                <a:latin typeface="Consolas" panose="020B0609020204030204" pitchFamily="49" charset="0"/>
-                <a:cs typeface="Consolas" panose="020B0609020204030204" pitchFamily="49" charset="0"/>
-              </a:rPr>
-              <a:t>++) {</a:t>
-            </a:r>
-          </a:p>
-          <a:p>
-            <a:r>
-              <a:rPr lang="en-US" sz="1400" dirty="0">
-                <a:solidFill>
-                  <a:schemeClr val="bg1"/>
-                </a:solidFill>
-                <a:latin typeface="Consolas" panose="020B0609020204030204" pitchFamily="49" charset="0"/>
-                <a:cs typeface="Consolas" panose="020B0609020204030204" pitchFamily="49" charset="0"/>
-              </a:rPr>
-              <a:t>  </a:t>
-            </a:r>
-            <a:r>
-              <a:rPr lang="en-US" sz="1400" dirty="0" err="1">
-                <a:solidFill>
-                  <a:schemeClr val="bg1"/>
-                </a:solidFill>
-                <a:latin typeface="Consolas" panose="020B0609020204030204" pitchFamily="49" charset="0"/>
-                <a:cs typeface="Consolas" panose="020B0609020204030204" pitchFamily="49" charset="0"/>
-              </a:rPr>
-              <a:t>fastq</a:t>
-            </a:r>
-            <a:r>
-              <a:rPr lang="en-US" sz="1400" dirty="0">
-                <a:solidFill>
-                  <a:schemeClr val="bg1"/>
-                </a:solidFill>
-                <a:latin typeface="Consolas" panose="020B0609020204030204" pitchFamily="49" charset="0"/>
-                <a:cs typeface="Consolas" panose="020B0609020204030204" pitchFamily="49" charset="0"/>
-              </a:rPr>
-              <a:t> := “</a:t>
-            </a:r>
-            <a:r>
-              <a:rPr lang="en-US" sz="1400" dirty="0" err="1">
-                <a:solidFill>
-                  <a:schemeClr val="bg1"/>
-                </a:solidFill>
-                <a:latin typeface="Consolas" panose="020B0609020204030204" pitchFamily="49" charset="0"/>
-                <a:cs typeface="Consolas" panose="020B0609020204030204" pitchFamily="49" charset="0"/>
-              </a:rPr>
-              <a:t>fastq</a:t>
-            </a:r>
-            <a:r>
-              <a:rPr lang="en-US" sz="1400" dirty="0">
-                <a:solidFill>
-                  <a:schemeClr val="bg1"/>
-                </a:solidFill>
-                <a:latin typeface="Consolas" panose="020B0609020204030204" pitchFamily="49" charset="0"/>
-                <a:cs typeface="Consolas" panose="020B0609020204030204" pitchFamily="49" charset="0"/>
-              </a:rPr>
-              <a:t>_” + </a:t>
-            </a:r>
-            <a:r>
-              <a:rPr lang="en-US" sz="1400" dirty="0" err="1">
-                <a:solidFill>
-                  <a:schemeClr val="bg1"/>
-                </a:solidFill>
-                <a:latin typeface="Consolas" panose="020B0609020204030204" pitchFamily="49" charset="0"/>
-                <a:cs typeface="Consolas" panose="020B0609020204030204" pitchFamily="49" charset="0"/>
-              </a:rPr>
-              <a:t>i</a:t>
-            </a:r>
-            <a:r>
-              <a:rPr lang="en-US" sz="1400" dirty="0">
-                <a:solidFill>
-                  <a:schemeClr val="bg1"/>
-                </a:solidFill>
-                <a:latin typeface="Consolas" panose="020B0609020204030204" pitchFamily="49" charset="0"/>
-                <a:cs typeface="Consolas" panose="020B0609020204030204" pitchFamily="49" charset="0"/>
-              </a:rPr>
-              <a:t> + “.</a:t>
-            </a:r>
-            <a:r>
-              <a:rPr lang="en-US" sz="1400" dirty="0" err="1">
-                <a:solidFill>
-                  <a:schemeClr val="bg1"/>
-                </a:solidFill>
-                <a:latin typeface="Consolas" panose="020B0609020204030204" pitchFamily="49" charset="0"/>
-                <a:cs typeface="Consolas" panose="020B0609020204030204" pitchFamily="49" charset="0"/>
-              </a:rPr>
-              <a:t>fq</a:t>
-            </a:r>
-            <a:r>
-              <a:rPr lang="en-US" sz="1400" dirty="0">
-                <a:solidFill>
-                  <a:schemeClr val="bg1"/>
-                </a:solidFill>
-                <a:latin typeface="Consolas" panose="020B0609020204030204" pitchFamily="49" charset="0"/>
-                <a:cs typeface="Consolas" panose="020B0609020204030204" pitchFamily="49" charset="0"/>
-              </a:rPr>
-              <a:t>”</a:t>
-            </a:r>
-          </a:p>
-          <a:p>
-            <a:r>
-              <a:rPr lang="en-US" sz="1400" dirty="0">
-                <a:solidFill>
-                  <a:schemeClr val="bg1"/>
-                </a:solidFill>
-                <a:latin typeface="Consolas" panose="020B0609020204030204" pitchFamily="49" charset="0"/>
-                <a:cs typeface="Consolas" panose="020B0609020204030204" pitchFamily="49" charset="0"/>
-              </a:rPr>
-              <a:t>  bam := “aligned_” + </a:t>
-            </a:r>
-            <a:r>
-              <a:rPr lang="en-US" sz="1400" dirty="0" err="1">
-                <a:solidFill>
-                  <a:schemeClr val="bg1"/>
-                </a:solidFill>
-                <a:latin typeface="Consolas" panose="020B0609020204030204" pitchFamily="49" charset="0"/>
-                <a:cs typeface="Consolas" panose="020B0609020204030204" pitchFamily="49" charset="0"/>
-              </a:rPr>
-              <a:t>i</a:t>
-            </a:r>
-            <a:r>
-              <a:rPr lang="en-US" sz="1400" dirty="0">
-                <a:solidFill>
-                  <a:schemeClr val="bg1"/>
-                </a:solidFill>
-                <a:latin typeface="Consolas" panose="020B0609020204030204" pitchFamily="49" charset="0"/>
-                <a:cs typeface="Consolas" panose="020B0609020204030204" pitchFamily="49" charset="0"/>
-              </a:rPr>
-              <a:t> + “.bam”</a:t>
-            </a:r>
-          </a:p>
-          <a:p>
-            <a:r>
-              <a:rPr lang="en-US" sz="1400" dirty="0">
-                <a:solidFill>
-                  <a:schemeClr val="bg1"/>
-                </a:solidFill>
-                <a:latin typeface="Consolas" panose="020B0609020204030204" pitchFamily="49" charset="0"/>
-                <a:cs typeface="Consolas" panose="020B0609020204030204" pitchFamily="49" charset="0"/>
-              </a:rPr>
-              <a:t>  </a:t>
-            </a:r>
-            <a:r>
-              <a:rPr lang="en-US" sz="1400" dirty="0">
-                <a:solidFill>
-                  <a:schemeClr val="accent3">
-                    <a:lumMod val="75000"/>
-                  </a:schemeClr>
-                </a:solidFill>
-                <a:latin typeface="Consolas" panose="020B0609020204030204" pitchFamily="49" charset="0"/>
-                <a:cs typeface="Consolas" panose="020B0609020204030204" pitchFamily="49" charset="0"/>
-              </a:rPr>
-              <a:t>task</a:t>
-            </a:r>
-            <a:r>
-              <a:rPr lang="en-US" sz="1400" dirty="0">
-                <a:solidFill>
-                  <a:schemeClr val="bg1"/>
-                </a:solidFill>
-                <a:latin typeface="Consolas" panose="020B0609020204030204" pitchFamily="49" charset="0"/>
-                <a:cs typeface="Consolas" panose="020B0609020204030204" pitchFamily="49" charset="0"/>
-              </a:rPr>
-              <a:t>(bam &lt;- </a:t>
-            </a:r>
-            <a:r>
-              <a:rPr lang="en-US" sz="1400" dirty="0" err="1">
-                <a:solidFill>
-                  <a:schemeClr val="bg1"/>
-                </a:solidFill>
-                <a:latin typeface="Consolas" panose="020B0609020204030204" pitchFamily="49" charset="0"/>
-                <a:cs typeface="Consolas" panose="020B0609020204030204" pitchFamily="49" charset="0"/>
-              </a:rPr>
-              <a:t>fastq</a:t>
-            </a:r>
-            <a:r>
-              <a:rPr lang="en-US" sz="1400" dirty="0">
-                <a:solidFill>
-                  <a:schemeClr val="bg1"/>
-                </a:solidFill>
-                <a:latin typeface="Consolas" panose="020B0609020204030204" pitchFamily="49" charset="0"/>
-                <a:cs typeface="Consolas" panose="020B0609020204030204" pitchFamily="49" charset="0"/>
-              </a:rPr>
-              <a:t>) {</a:t>
-            </a:r>
-          </a:p>
-          <a:p>
-            <a:r>
-              <a:rPr lang="en-US" sz="1400" dirty="0">
-                <a:solidFill>
-                  <a:schemeClr val="bg1"/>
-                </a:solidFill>
-                <a:latin typeface="Consolas" panose="020B0609020204030204" pitchFamily="49" charset="0"/>
-                <a:cs typeface="Consolas" panose="020B0609020204030204" pitchFamily="49" charset="0"/>
-              </a:rPr>
-              <a:t>    </a:t>
-            </a:r>
-            <a:r>
-              <a:rPr lang="en-US" sz="1400" dirty="0">
-                <a:solidFill>
-                  <a:schemeClr val="accent3">
-                    <a:lumMod val="75000"/>
-                  </a:schemeClr>
-                </a:solidFill>
-                <a:latin typeface="Consolas" panose="020B0609020204030204" pitchFamily="49" charset="0"/>
-                <a:cs typeface="Consolas" panose="020B0609020204030204" pitchFamily="49" charset="0"/>
-              </a:rPr>
-              <a:t>sys</a:t>
-            </a:r>
-            <a:r>
-              <a:rPr lang="en-US" sz="1400" dirty="0">
-                <a:solidFill>
-                  <a:schemeClr val="bg1"/>
-                </a:solidFill>
-                <a:latin typeface="Consolas" panose="020B0609020204030204" pitchFamily="49" charset="0"/>
-                <a:cs typeface="Consolas" panose="020B0609020204030204" pitchFamily="49" charset="0"/>
-              </a:rPr>
-              <a:t> bwa mem hg38 $</a:t>
-            </a:r>
-            <a:r>
-              <a:rPr lang="en-US" sz="1400" dirty="0" err="1">
-                <a:solidFill>
-                  <a:schemeClr val="bg1"/>
-                </a:solidFill>
-                <a:latin typeface="Consolas" panose="020B0609020204030204" pitchFamily="49" charset="0"/>
-                <a:cs typeface="Consolas" panose="020B0609020204030204" pitchFamily="49" charset="0"/>
-              </a:rPr>
-              <a:t>fastq</a:t>
-            </a:r>
-            <a:r>
-              <a:rPr lang="en-US" sz="1400" dirty="0">
-                <a:solidFill>
-                  <a:schemeClr val="bg1"/>
-                </a:solidFill>
-                <a:latin typeface="Consolas" panose="020B0609020204030204" pitchFamily="49" charset="0"/>
-                <a:cs typeface="Consolas" panose="020B0609020204030204" pitchFamily="49" charset="0"/>
-              </a:rPr>
-              <a:t> \</a:t>
-            </a:r>
-          </a:p>
-          <a:p>
-            <a:r>
-              <a:rPr lang="en-US" sz="1400" dirty="0">
-                <a:solidFill>
-                  <a:schemeClr val="bg1"/>
-                </a:solidFill>
-                <a:latin typeface="Consolas" panose="020B0609020204030204" pitchFamily="49" charset="0"/>
-                <a:cs typeface="Consolas" panose="020B0609020204030204" pitchFamily="49" charset="0"/>
-              </a:rPr>
-              <a:t>          | </a:t>
-            </a:r>
-            <a:r>
-              <a:rPr lang="en-US" sz="1400" dirty="0" err="1">
-                <a:solidFill>
-                  <a:schemeClr val="bg1"/>
-                </a:solidFill>
-                <a:latin typeface="Consolas" panose="020B0609020204030204" pitchFamily="49" charset="0"/>
-                <a:cs typeface="Consolas" panose="020B0609020204030204" pitchFamily="49" charset="0"/>
-              </a:rPr>
-              <a:t>samtools</a:t>
-            </a:r>
-            <a:r>
-              <a:rPr lang="en-US" sz="1400" dirty="0">
-                <a:solidFill>
-                  <a:schemeClr val="bg1"/>
-                </a:solidFill>
-                <a:latin typeface="Consolas" panose="020B0609020204030204" pitchFamily="49" charset="0"/>
-                <a:cs typeface="Consolas" panose="020B0609020204030204" pitchFamily="49" charset="0"/>
-              </a:rPr>
-              <a:t> sort &gt; $bam</a:t>
-            </a:r>
-          </a:p>
-          <a:p>
-            <a:r>
-              <a:rPr lang="en-US" sz="1400" dirty="0">
-                <a:solidFill>
-                  <a:schemeClr val="bg1"/>
-                </a:solidFill>
-                <a:latin typeface="Consolas" panose="020B0609020204030204" pitchFamily="49" charset="0"/>
-                <a:cs typeface="Consolas" panose="020B0609020204030204" pitchFamily="49" charset="0"/>
-              </a:rPr>
-              <a:t>  }</a:t>
-            </a:r>
-          </a:p>
-          <a:p>
-            <a:r>
-              <a:rPr lang="en-US" sz="1400" dirty="0">
-                <a:solidFill>
-                  <a:schemeClr val="bg1"/>
-                </a:solidFill>
-                <a:latin typeface="Consolas" panose="020B0609020204030204" pitchFamily="49" charset="0"/>
-                <a:cs typeface="Consolas" panose="020B0609020204030204" pitchFamily="49" charset="0"/>
-              </a:rPr>
-              <a:t>  </a:t>
-            </a:r>
-            <a:r>
-              <a:rPr lang="en-US" sz="1400" dirty="0" err="1">
-                <a:solidFill>
-                  <a:schemeClr val="bg1"/>
-                </a:solidFill>
-                <a:latin typeface="Consolas" panose="020B0609020204030204" pitchFamily="49" charset="0"/>
-                <a:cs typeface="Consolas" panose="020B0609020204030204" pitchFamily="49" charset="0"/>
-              </a:rPr>
-              <a:t>bams</a:t>
-            </a:r>
-            <a:r>
-              <a:rPr lang="en-US" sz="1400" dirty="0">
-                <a:solidFill>
-                  <a:schemeClr val="bg1"/>
-                </a:solidFill>
-                <a:latin typeface="Consolas" panose="020B0609020204030204" pitchFamily="49" charset="0"/>
-                <a:cs typeface="Consolas" panose="020B0609020204030204" pitchFamily="49" charset="0"/>
-              </a:rPr>
-              <a:t> += “$bam “</a:t>
-            </a:r>
-          </a:p>
-          <a:p>
-            <a:r>
-              <a:rPr lang="en-US" sz="1400" dirty="0">
-                <a:solidFill>
-                  <a:schemeClr val="bg1"/>
-                </a:solidFill>
-                <a:latin typeface="Consolas" panose="020B0609020204030204" pitchFamily="49" charset="0"/>
-                <a:cs typeface="Consolas" panose="020B0609020204030204" pitchFamily="49" charset="0"/>
-              </a:rPr>
-              <a:t>}</a:t>
-            </a:r>
-          </a:p>
-          <a:p>
             <a:endParaRPr lang="en-US" sz="1400" dirty="0">
               <a:solidFill>
                 <a:schemeClr val="bg1"/>
@@ -37025,6 +36576,453 @@
             <a:r>
               <a:rPr lang="en-US" sz="1400" dirty="0">
                 <a:solidFill>
+                  <a:schemeClr val="accent3">
+                    <a:lumMod val="75000"/>
+                  </a:schemeClr>
+                </a:solidFill>
+                <a:latin typeface="Consolas" panose="020B0609020204030204" pitchFamily="49" charset="0"/>
+                <a:cs typeface="Consolas" panose="020B0609020204030204" pitchFamily="49" charset="0"/>
+              </a:rPr>
+              <a:t>for</a:t>
+            </a:r>
+            <a:r>
+              <a:rPr lang="en-US" sz="1400" dirty="0">
+                <a:solidFill>
+                  <a:schemeClr val="bg1"/>
+                </a:solidFill>
+                <a:latin typeface="Consolas" panose="020B0609020204030204" pitchFamily="49" charset="0"/>
+                <a:cs typeface="Consolas" panose="020B0609020204030204" pitchFamily="49" charset="0"/>
+              </a:rPr>
+              <a:t>(</a:t>
+            </a:r>
+            <a:r>
+              <a:rPr lang="en-US" sz="1400" dirty="0">
+                <a:solidFill>
+                  <a:schemeClr val="bg2">
+                    <a:lumMod val="40000"/>
+                    <a:lumOff val="60000"/>
+                  </a:schemeClr>
+                </a:solidFill>
+                <a:latin typeface="Consolas" panose="020B0609020204030204" pitchFamily="49" charset="0"/>
+                <a:cs typeface="Consolas" panose="020B0609020204030204" pitchFamily="49" charset="0"/>
+              </a:rPr>
+              <a:t>int</a:t>
+            </a:r>
+            <a:r>
+              <a:rPr lang="en-US" sz="1400" dirty="0">
+                <a:solidFill>
+                  <a:schemeClr val="bg1"/>
+                </a:solidFill>
+                <a:latin typeface="Consolas" panose="020B0609020204030204" pitchFamily="49" charset="0"/>
+                <a:cs typeface="Consolas" panose="020B0609020204030204" pitchFamily="49" charset="0"/>
+              </a:rPr>
+              <a:t> </a:t>
+            </a:r>
+            <a:r>
+              <a:rPr lang="en-US" sz="1400" dirty="0" err="1">
+                <a:solidFill>
+                  <a:schemeClr val="bg1"/>
+                </a:solidFill>
+                <a:latin typeface="Consolas" panose="020B0609020204030204" pitchFamily="49" charset="0"/>
+                <a:cs typeface="Consolas" panose="020B0609020204030204" pitchFamily="49" charset="0"/>
+              </a:rPr>
+              <a:t>i</a:t>
+            </a:r>
+            <a:r>
+              <a:rPr lang="en-US" sz="1400" dirty="0">
+                <a:solidFill>
+                  <a:schemeClr val="bg1"/>
+                </a:solidFill>
+                <a:latin typeface="Consolas" panose="020B0609020204030204" pitchFamily="49" charset="0"/>
+                <a:cs typeface="Consolas" panose="020B0609020204030204" pitchFamily="49" charset="0"/>
+              </a:rPr>
+              <a:t>=0 ; </a:t>
+            </a:r>
+            <a:r>
+              <a:rPr lang="en-US" sz="1400" dirty="0" err="1">
+                <a:solidFill>
+                  <a:schemeClr val="bg1"/>
+                </a:solidFill>
+                <a:latin typeface="Consolas" panose="020B0609020204030204" pitchFamily="49" charset="0"/>
+                <a:cs typeface="Consolas" panose="020B0609020204030204" pitchFamily="49" charset="0"/>
+              </a:rPr>
+              <a:t>i</a:t>
+            </a:r>
+            <a:r>
+              <a:rPr lang="en-US" sz="1400" dirty="0">
+                <a:solidFill>
+                  <a:schemeClr val="bg1"/>
+                </a:solidFill>
+                <a:latin typeface="Consolas" panose="020B0609020204030204" pitchFamily="49" charset="0"/>
+                <a:cs typeface="Consolas" panose="020B0609020204030204" pitchFamily="49" charset="0"/>
+              </a:rPr>
+              <a:t> &lt; </a:t>
+            </a:r>
+            <a:r>
+              <a:rPr lang="en-US" sz="1400" dirty="0" err="1">
+                <a:solidFill>
+                  <a:schemeClr val="bg1"/>
+                </a:solidFill>
+                <a:latin typeface="Consolas" panose="020B0609020204030204" pitchFamily="49" charset="0"/>
+                <a:cs typeface="Consolas" panose="020B0609020204030204" pitchFamily="49" charset="0"/>
+              </a:rPr>
+              <a:t>numberSamples</a:t>
+            </a:r>
+            <a:r>
+              <a:rPr lang="en-US" sz="1400" dirty="0">
+                <a:solidFill>
+                  <a:schemeClr val="bg1"/>
+                </a:solidFill>
+                <a:latin typeface="Consolas" panose="020B0609020204030204" pitchFamily="49" charset="0"/>
+                <a:cs typeface="Consolas" panose="020B0609020204030204" pitchFamily="49" charset="0"/>
+              </a:rPr>
+              <a:t> ; </a:t>
+            </a:r>
+            <a:r>
+              <a:rPr lang="en-US" sz="1400" dirty="0" err="1">
+                <a:solidFill>
+                  <a:schemeClr val="bg1"/>
+                </a:solidFill>
+                <a:latin typeface="Consolas" panose="020B0609020204030204" pitchFamily="49" charset="0"/>
+                <a:cs typeface="Consolas" panose="020B0609020204030204" pitchFamily="49" charset="0"/>
+              </a:rPr>
+              <a:t>i</a:t>
+            </a:r>
+            <a:r>
+              <a:rPr lang="en-US" sz="1400" dirty="0">
+                <a:solidFill>
+                  <a:schemeClr val="bg1"/>
+                </a:solidFill>
+                <a:latin typeface="Consolas" panose="020B0609020204030204" pitchFamily="49" charset="0"/>
+                <a:cs typeface="Consolas" panose="020B0609020204030204" pitchFamily="49" charset="0"/>
+              </a:rPr>
+              <a:t>++) {</a:t>
+            </a:r>
+          </a:p>
+          <a:p>
+            <a:r>
+              <a:rPr lang="en-US" sz="1400" dirty="0">
+                <a:solidFill>
+                  <a:schemeClr val="bg1"/>
+                </a:solidFill>
+                <a:latin typeface="Consolas" panose="020B0609020204030204" pitchFamily="49" charset="0"/>
+                <a:cs typeface="Consolas" panose="020B0609020204030204" pitchFamily="49" charset="0"/>
+              </a:rPr>
+              <a:t>  </a:t>
+            </a:r>
+            <a:r>
+              <a:rPr lang="en-US" sz="1400" dirty="0" err="1">
+                <a:solidFill>
+                  <a:schemeClr val="bg1"/>
+                </a:solidFill>
+                <a:latin typeface="Consolas" panose="020B0609020204030204" pitchFamily="49" charset="0"/>
+                <a:cs typeface="Consolas" panose="020B0609020204030204" pitchFamily="49" charset="0"/>
+              </a:rPr>
+              <a:t>fastq</a:t>
+            </a:r>
+            <a:r>
+              <a:rPr lang="en-US" sz="1400" dirty="0">
+                <a:solidFill>
+                  <a:schemeClr val="bg1"/>
+                </a:solidFill>
+                <a:latin typeface="Consolas" panose="020B0609020204030204" pitchFamily="49" charset="0"/>
+                <a:cs typeface="Consolas" panose="020B0609020204030204" pitchFamily="49" charset="0"/>
+              </a:rPr>
+              <a:t> := “</a:t>
+            </a:r>
+            <a:r>
+              <a:rPr lang="en-US" sz="1400" dirty="0" err="1">
+                <a:solidFill>
+                  <a:schemeClr val="bg1"/>
+                </a:solidFill>
+                <a:latin typeface="Consolas" panose="020B0609020204030204" pitchFamily="49" charset="0"/>
+                <a:cs typeface="Consolas" panose="020B0609020204030204" pitchFamily="49" charset="0"/>
+              </a:rPr>
+              <a:t>fastq</a:t>
+            </a:r>
+            <a:r>
+              <a:rPr lang="en-US" sz="1400" dirty="0">
+                <a:solidFill>
+                  <a:schemeClr val="bg1"/>
+                </a:solidFill>
+                <a:latin typeface="Consolas" panose="020B0609020204030204" pitchFamily="49" charset="0"/>
+                <a:cs typeface="Consolas" panose="020B0609020204030204" pitchFamily="49" charset="0"/>
+              </a:rPr>
+              <a:t>_” + </a:t>
+            </a:r>
+            <a:r>
+              <a:rPr lang="en-US" sz="1400" dirty="0" err="1">
+                <a:solidFill>
+                  <a:schemeClr val="bg1"/>
+                </a:solidFill>
+                <a:latin typeface="Consolas" panose="020B0609020204030204" pitchFamily="49" charset="0"/>
+                <a:cs typeface="Consolas" panose="020B0609020204030204" pitchFamily="49" charset="0"/>
+              </a:rPr>
+              <a:t>i</a:t>
+            </a:r>
+            <a:r>
+              <a:rPr lang="en-US" sz="1400" dirty="0">
+                <a:solidFill>
+                  <a:schemeClr val="bg1"/>
+                </a:solidFill>
+                <a:latin typeface="Consolas" panose="020B0609020204030204" pitchFamily="49" charset="0"/>
+                <a:cs typeface="Consolas" panose="020B0609020204030204" pitchFamily="49" charset="0"/>
+              </a:rPr>
+              <a:t> + “.</a:t>
+            </a:r>
+            <a:r>
+              <a:rPr lang="en-US" sz="1400" dirty="0" err="1">
+                <a:solidFill>
+                  <a:schemeClr val="bg1"/>
+                </a:solidFill>
+                <a:latin typeface="Consolas" panose="020B0609020204030204" pitchFamily="49" charset="0"/>
+                <a:cs typeface="Consolas" panose="020B0609020204030204" pitchFamily="49" charset="0"/>
+              </a:rPr>
+              <a:t>fq</a:t>
+            </a:r>
+            <a:r>
+              <a:rPr lang="en-US" sz="1400" dirty="0">
+                <a:solidFill>
+                  <a:schemeClr val="bg1"/>
+                </a:solidFill>
+                <a:latin typeface="Consolas" panose="020B0609020204030204" pitchFamily="49" charset="0"/>
+                <a:cs typeface="Consolas" panose="020B0609020204030204" pitchFamily="49" charset="0"/>
+              </a:rPr>
+              <a:t>”</a:t>
+            </a:r>
+          </a:p>
+          <a:p>
+            <a:r>
+              <a:rPr lang="en-US" sz="1400" dirty="0">
+                <a:solidFill>
+                  <a:schemeClr val="bg1"/>
+                </a:solidFill>
+                <a:latin typeface="Consolas" panose="020B0609020204030204" pitchFamily="49" charset="0"/>
+                <a:cs typeface="Consolas" panose="020B0609020204030204" pitchFamily="49" charset="0"/>
+              </a:rPr>
+              <a:t>  bam := “aligned_” + </a:t>
+            </a:r>
+            <a:r>
+              <a:rPr lang="en-US" sz="1400" dirty="0" err="1">
+                <a:solidFill>
+                  <a:schemeClr val="bg1"/>
+                </a:solidFill>
+                <a:latin typeface="Consolas" panose="020B0609020204030204" pitchFamily="49" charset="0"/>
+                <a:cs typeface="Consolas" panose="020B0609020204030204" pitchFamily="49" charset="0"/>
+              </a:rPr>
+              <a:t>i</a:t>
+            </a:r>
+            <a:r>
+              <a:rPr lang="en-US" sz="1400" dirty="0">
+                <a:solidFill>
+                  <a:schemeClr val="bg1"/>
+                </a:solidFill>
+                <a:latin typeface="Consolas" panose="020B0609020204030204" pitchFamily="49" charset="0"/>
+                <a:cs typeface="Consolas" panose="020B0609020204030204" pitchFamily="49" charset="0"/>
+              </a:rPr>
+              <a:t> + “.bam”</a:t>
+            </a:r>
+          </a:p>
+          <a:p>
+            <a:r>
+              <a:rPr lang="en-US" sz="1400" dirty="0">
+                <a:solidFill>
+                  <a:schemeClr val="bg1"/>
+                </a:solidFill>
+                <a:latin typeface="Consolas" panose="020B0609020204030204" pitchFamily="49" charset="0"/>
+                <a:cs typeface="Consolas" panose="020B0609020204030204" pitchFamily="49" charset="0"/>
+              </a:rPr>
+              <a:t>  </a:t>
+            </a:r>
+            <a:r>
+              <a:rPr lang="en-US" sz="1400" dirty="0">
+                <a:solidFill>
+                  <a:schemeClr val="accent3">
+                    <a:lumMod val="75000"/>
+                  </a:schemeClr>
+                </a:solidFill>
+                <a:latin typeface="Consolas" panose="020B0609020204030204" pitchFamily="49" charset="0"/>
+                <a:cs typeface="Consolas" panose="020B0609020204030204" pitchFamily="49" charset="0"/>
+              </a:rPr>
+              <a:t>task</a:t>
+            </a:r>
+            <a:r>
+              <a:rPr lang="en-US" sz="1400" dirty="0">
+                <a:solidFill>
+                  <a:schemeClr val="bg1"/>
+                </a:solidFill>
+                <a:latin typeface="Consolas" panose="020B0609020204030204" pitchFamily="49" charset="0"/>
+                <a:cs typeface="Consolas" panose="020B0609020204030204" pitchFamily="49" charset="0"/>
+              </a:rPr>
+              <a:t>(bam &lt;- </a:t>
+            </a:r>
+            <a:r>
+              <a:rPr lang="en-US" sz="1400" dirty="0" err="1">
+                <a:solidFill>
+                  <a:schemeClr val="bg1"/>
+                </a:solidFill>
+                <a:latin typeface="Consolas" panose="020B0609020204030204" pitchFamily="49" charset="0"/>
+                <a:cs typeface="Consolas" panose="020B0609020204030204" pitchFamily="49" charset="0"/>
+              </a:rPr>
+              <a:t>fastq</a:t>
+            </a:r>
+            <a:r>
+              <a:rPr lang="en-US" sz="1400" dirty="0">
+                <a:solidFill>
+                  <a:schemeClr val="bg1"/>
+                </a:solidFill>
+                <a:latin typeface="Consolas" panose="020B0609020204030204" pitchFamily="49" charset="0"/>
+                <a:cs typeface="Consolas" panose="020B0609020204030204" pitchFamily="49" charset="0"/>
+              </a:rPr>
+              <a:t>) {</a:t>
+            </a:r>
+          </a:p>
+          <a:p>
+            <a:r>
+              <a:rPr lang="en-US" sz="1400" dirty="0">
+                <a:solidFill>
+                  <a:schemeClr val="bg1"/>
+                </a:solidFill>
+                <a:latin typeface="Consolas" panose="020B0609020204030204" pitchFamily="49" charset="0"/>
+                <a:cs typeface="Consolas" panose="020B0609020204030204" pitchFamily="49" charset="0"/>
+              </a:rPr>
+              <a:t>    </a:t>
+            </a:r>
+            <a:r>
+              <a:rPr lang="en-US" sz="1400" dirty="0">
+                <a:solidFill>
+                  <a:schemeClr val="accent3">
+                    <a:lumMod val="75000"/>
+                  </a:schemeClr>
+                </a:solidFill>
+                <a:latin typeface="Consolas" panose="020B0609020204030204" pitchFamily="49" charset="0"/>
+                <a:cs typeface="Consolas" panose="020B0609020204030204" pitchFamily="49" charset="0"/>
+              </a:rPr>
+              <a:t>sys</a:t>
+            </a:r>
+            <a:r>
+              <a:rPr lang="en-US" sz="1400" dirty="0">
+                <a:solidFill>
+                  <a:schemeClr val="bg1"/>
+                </a:solidFill>
+                <a:latin typeface="Consolas" panose="020B0609020204030204" pitchFamily="49" charset="0"/>
+                <a:cs typeface="Consolas" panose="020B0609020204030204" pitchFamily="49" charset="0"/>
+              </a:rPr>
+              <a:t> bwa mem hg38 $</a:t>
+            </a:r>
+            <a:r>
+              <a:rPr lang="en-US" sz="1400" dirty="0" err="1">
+                <a:solidFill>
+                  <a:schemeClr val="bg1"/>
+                </a:solidFill>
+                <a:latin typeface="Consolas" panose="020B0609020204030204" pitchFamily="49" charset="0"/>
+                <a:cs typeface="Consolas" panose="020B0609020204030204" pitchFamily="49" charset="0"/>
+              </a:rPr>
+              <a:t>fastq</a:t>
+            </a:r>
+            <a:r>
+              <a:rPr lang="en-US" sz="1400" dirty="0">
+                <a:solidFill>
+                  <a:schemeClr val="bg1"/>
+                </a:solidFill>
+                <a:latin typeface="Consolas" panose="020B0609020204030204" pitchFamily="49" charset="0"/>
+                <a:cs typeface="Consolas" panose="020B0609020204030204" pitchFamily="49" charset="0"/>
+              </a:rPr>
+              <a:t> \</a:t>
+            </a:r>
+          </a:p>
+          <a:p>
+            <a:r>
+              <a:rPr lang="en-US" sz="1400" dirty="0">
+                <a:solidFill>
+                  <a:schemeClr val="bg1"/>
+                </a:solidFill>
+                <a:latin typeface="Consolas" panose="020B0609020204030204" pitchFamily="49" charset="0"/>
+                <a:cs typeface="Consolas" panose="020B0609020204030204" pitchFamily="49" charset="0"/>
+              </a:rPr>
+              <a:t>          | </a:t>
+            </a:r>
+            <a:r>
+              <a:rPr lang="en-US" sz="1400" dirty="0" err="1">
+                <a:solidFill>
+                  <a:schemeClr val="bg1"/>
+                </a:solidFill>
+                <a:latin typeface="Consolas" panose="020B0609020204030204" pitchFamily="49" charset="0"/>
+                <a:cs typeface="Consolas" panose="020B0609020204030204" pitchFamily="49" charset="0"/>
+              </a:rPr>
+              <a:t>samtools</a:t>
+            </a:r>
+            <a:r>
+              <a:rPr lang="en-US" sz="1400" dirty="0">
+                <a:solidFill>
+                  <a:schemeClr val="bg1"/>
+                </a:solidFill>
+                <a:latin typeface="Consolas" panose="020B0609020204030204" pitchFamily="49" charset="0"/>
+                <a:cs typeface="Consolas" panose="020B0609020204030204" pitchFamily="49" charset="0"/>
+              </a:rPr>
+              <a:t> sort &gt; $bam</a:t>
+            </a:r>
+          </a:p>
+          <a:p>
+            <a:r>
+              <a:rPr lang="en-US" sz="1400" dirty="0">
+                <a:solidFill>
+                  <a:schemeClr val="bg1"/>
+                </a:solidFill>
+                <a:latin typeface="Consolas" panose="020B0609020204030204" pitchFamily="49" charset="0"/>
+                <a:cs typeface="Consolas" panose="020B0609020204030204" pitchFamily="49" charset="0"/>
+              </a:rPr>
+              <a:t>  }</a:t>
+            </a:r>
+          </a:p>
+          <a:p>
+            <a:r>
+              <a:rPr lang="en-US" sz="1400" dirty="0">
+                <a:solidFill>
+                  <a:schemeClr val="bg1"/>
+                </a:solidFill>
+                <a:latin typeface="Consolas" panose="020B0609020204030204" pitchFamily="49" charset="0"/>
+                <a:cs typeface="Consolas" panose="020B0609020204030204" pitchFamily="49" charset="0"/>
+              </a:rPr>
+              <a:t>  </a:t>
+            </a:r>
+            <a:r>
+              <a:rPr lang="en-US" sz="1400" dirty="0" err="1">
+                <a:solidFill>
+                  <a:schemeClr val="bg1"/>
+                </a:solidFill>
+                <a:latin typeface="Consolas" panose="020B0609020204030204" pitchFamily="49" charset="0"/>
+                <a:cs typeface="Consolas" panose="020B0609020204030204" pitchFamily="49" charset="0"/>
+              </a:rPr>
+              <a:t>bams</a:t>
+            </a:r>
+            <a:r>
+              <a:rPr lang="en-US" sz="1400" dirty="0">
+                <a:solidFill>
+                  <a:schemeClr val="bg1"/>
+                </a:solidFill>
+                <a:latin typeface="Consolas" panose="020B0609020204030204" pitchFamily="49" charset="0"/>
+                <a:cs typeface="Consolas" panose="020B0609020204030204" pitchFamily="49" charset="0"/>
+              </a:rPr>
+              <a:t> += bam</a:t>
+            </a:r>
+          </a:p>
+          <a:p>
+            <a:r>
+              <a:rPr lang="en-US" sz="1400" dirty="0">
+                <a:solidFill>
+                  <a:schemeClr val="bg1"/>
+                </a:solidFill>
+                <a:latin typeface="Consolas" panose="020B0609020204030204" pitchFamily="49" charset="0"/>
+                <a:cs typeface="Consolas" panose="020B0609020204030204" pitchFamily="49" charset="0"/>
+              </a:rPr>
+              <a:t>}</a:t>
+            </a:r>
+          </a:p>
+          <a:p>
+            <a:r>
+              <a:rPr lang="en-US" sz="1400" dirty="0">
+                <a:solidFill>
                   <a:schemeClr val="bg1">
                     <a:lumMod val="75000"/>
                   </a:schemeClr>
@@ -37044,6 +37042,48 @@
                 <a:latin typeface="Consolas" panose="020B0609020204030204" pitchFamily="49" charset="0"/>
                 <a:cs typeface="Consolas" panose="020B0609020204030204" pitchFamily="49" charset="0"/>
               </a:rPr>
+              <a:t>bamsStr</a:t>
+            </a:r>
+            <a:r>
+              <a:rPr lang="en-US" sz="1400" dirty="0">
+                <a:solidFill>
+                  <a:schemeClr val="bg1"/>
+                </a:solidFill>
+                <a:latin typeface="Consolas" panose="020B0609020204030204" pitchFamily="49" charset="0"/>
+                <a:cs typeface="Consolas" panose="020B0609020204030204" pitchFamily="49" charset="0"/>
+              </a:rPr>
+              <a:t> := </a:t>
+            </a:r>
+            <a:r>
+              <a:rPr lang="en-US" sz="1400" dirty="0" err="1">
+                <a:solidFill>
+                  <a:schemeClr val="bg1"/>
+                </a:solidFill>
+                <a:latin typeface="Consolas" panose="020B0609020204030204" pitchFamily="49" charset="0"/>
+                <a:cs typeface="Consolas" panose="020B0609020204030204" pitchFamily="49" charset="0"/>
+              </a:rPr>
+              <a:t>bams.join</a:t>
+            </a:r>
+            <a:r>
+              <a:rPr lang="en-US" sz="1400" dirty="0">
+                <a:solidFill>
+                  <a:schemeClr val="bg1"/>
+                </a:solidFill>
+                <a:latin typeface="Consolas" panose="020B0609020204030204" pitchFamily="49" charset="0"/>
+                <a:cs typeface="Consolas" panose="020B0609020204030204" pitchFamily="49" charset="0"/>
+              </a:rPr>
+              <a:t>(‘ ‘)</a:t>
+            </a:r>
+          </a:p>
+          <a:p>
+            <a:r>
+              <a:rPr lang="en-US" sz="1400" dirty="0" err="1">
+                <a:solidFill>
+                  <a:schemeClr val="bg1"/>
+                </a:solidFill>
+                <a:latin typeface="Consolas" panose="020B0609020204030204" pitchFamily="49" charset="0"/>
+                <a:cs typeface="Consolas" panose="020B0609020204030204" pitchFamily="49" charset="0"/>
+              </a:rPr>
               <a:t>vcf</a:t>
             </a:r>
             <a:r>
@@ -37192,7 +37232,7 @@
                 <a:latin typeface="Consolas" panose="020B0609020204030204" pitchFamily="49" charset="0"/>
                 <a:cs typeface="Consolas" panose="020B0609020204030204" pitchFamily="49" charset="0"/>
               </a:rPr>
-              <a:t> $</a:t>
+              <a:t> $ </a:t>
             </a:r>
             <a:r>
               <a:rPr lang="en-US" sz="1400" dirty="0" err="1">
@@ -37202,7 +37242,7 @@
                 <a:latin typeface="Consolas" panose="020B0609020204030204" pitchFamily="49" charset="0"/>
                 <a:cs typeface="Consolas" panose="020B0609020204030204" pitchFamily="49" charset="0"/>
               </a:rPr>
-              <a:t>bams</a:t>
+              <a:t>bamsStr</a:t>
             </a:r>
             <a:r>
               <a:rPr lang="en-US" sz="1400" dirty="0">
